--- a/_PowerPoints/1st Semester/Unit 2 Relations and Functions/Algebra3_Day_020 2.8 Two Variable Inequalities.pptx
+++ b/_PowerPoints/1st Semester/Unit 2 Relations and Functions/Algebra3_Day_020 2.8 Two Variable Inequalities.pptx
@@ -289,7 +289,7 @@
             <a:fld id="{87DE6118-2437-4B30-8E3C-4D2BE6020583}" type="datetimeFigureOut">
               <a:rPr lang="en-US" dirty="0"/>
               <a:pPr/>
-              <a:t>10/16/2017</a:t>
+              <a:t>10/25/2018</a:t>
             </a:fld>
             <a:endParaRPr lang="en-US" dirty="0"/>
           </a:p>
@@ -615,7 +615,7 @@
           <a:p>
             <a:fld id="{87DE6118-2437-4B30-8E3C-4D2BE6020583}" type="datetimeFigureOut">
               <a:rPr lang="en-US" dirty="0"/>
-              <a:t>10/16/2017</a:t>
+              <a:t>10/25/2018</a:t>
             </a:fld>
             <a:endParaRPr lang="en-US" dirty="0"/>
           </a:p>
@@ -790,7 +790,7 @@
           <a:p>
             <a:fld id="{87DE6118-2437-4B30-8E3C-4D2BE6020583}" type="datetimeFigureOut">
               <a:rPr lang="en-US" dirty="0"/>
-              <a:t>10/16/2017</a:t>
+              <a:t>10/25/2018</a:t>
             </a:fld>
             <a:endParaRPr lang="en-US" dirty="0"/>
           </a:p>
@@ -955,7 +955,7 @@
           <a:p>
             <a:fld id="{87DE6118-2437-4B30-8E3C-4D2BE6020583}" type="datetimeFigureOut">
               <a:rPr lang="en-US" dirty="0"/>
-              <a:t>10/16/2017</a:t>
+              <a:t>10/25/2018</a:t>
             </a:fld>
             <a:endParaRPr lang="en-US" dirty="0"/>
           </a:p>
@@ -1228,7 +1228,7 @@
             <a:fld id="{87DE6118-2437-4B30-8E3C-4D2BE6020583}" type="datetimeFigureOut">
               <a:rPr lang="en-US" dirty="0"/>
               <a:pPr/>
-              <a:t>10/16/2017</a:t>
+              <a:t>10/25/2018</a:t>
             </a:fld>
             <a:endParaRPr lang="en-US" dirty="0"/>
           </a:p>
@@ -1618,7 +1618,7 @@
           <a:p>
             <a:fld id="{87DE6118-2437-4B30-8E3C-4D2BE6020583}" type="datetimeFigureOut">
               <a:rPr lang="en-US" dirty="0"/>
-              <a:t>10/16/2017</a:t>
+              <a:t>10/25/2018</a:t>
             </a:fld>
             <a:endParaRPr lang="en-US" dirty="0"/>
           </a:p>
@@ -2090,7 +2090,7 @@
           <a:p>
             <a:fld id="{87DE6118-2437-4B30-8E3C-4D2BE6020583}" type="datetimeFigureOut">
               <a:rPr lang="en-US" dirty="0"/>
-              <a:t>10/16/2017</a:t>
+              <a:t>10/25/2018</a:t>
             </a:fld>
             <a:endParaRPr lang="en-US" dirty="0"/>
           </a:p>
@@ -2203,7 +2203,7 @@
           <a:p>
             <a:fld id="{87DE6118-2437-4B30-8E3C-4D2BE6020583}" type="datetimeFigureOut">
               <a:rPr lang="en-US" dirty="0"/>
-              <a:t>10/16/2017</a:t>
+              <a:t>10/25/2018</a:t>
             </a:fld>
             <a:endParaRPr lang="en-US" dirty="0"/>
           </a:p>
@@ -2293,7 +2293,7 @@
           <a:p>
             <a:fld id="{87DE6118-2437-4B30-8E3C-4D2BE6020583}" type="datetimeFigureOut">
               <a:rPr lang="en-US" dirty="0"/>
-              <a:t>10/16/2017</a:t>
+              <a:t>10/25/2018</a:t>
             </a:fld>
             <a:endParaRPr lang="en-US" dirty="0"/>
           </a:p>
@@ -2635,7 +2635,7 @@
             <a:fld id="{87DE6118-2437-4B30-8E3C-4D2BE6020583}" type="datetimeFigureOut">
               <a:rPr lang="en-US" dirty="0"/>
               <a:pPr/>
-              <a:t>10/16/2017</a:t>
+              <a:t>10/25/2018</a:t>
             </a:fld>
             <a:endParaRPr lang="en-US" dirty="0"/>
           </a:p>
@@ -3020,7 +3020,7 @@
             <a:fld id="{87DE6118-2437-4B30-8E3C-4D2BE6020583}" type="datetimeFigureOut">
               <a:rPr lang="en-US" dirty="0"/>
               <a:pPr/>
-              <a:t>10/16/2017</a:t>
+              <a:t>10/25/2018</a:t>
             </a:fld>
             <a:endParaRPr lang="en-US" dirty="0"/>
           </a:p>
@@ -3295,7 +3295,7 @@
             <a:fld id="{87DE6118-2437-4B30-8E3C-4D2BE6020583}" type="datetimeFigureOut">
               <a:rPr lang="en-US" dirty="0"/>
               <a:pPr/>
-              <a:t>10/16/2017</a:t>
+              <a:t>10/25/2018</a:t>
             </a:fld>
             <a:endParaRPr lang="en-US" dirty="0"/>
           </a:p>
@@ -3816,7 +3816,7 @@
         <p:spPr>
           <a:xfrm>
             <a:off x="1425058" y="542581"/>
-            <a:ext cx="8842661" cy="6172201"/>
+            <a:ext cx="10642024" cy="6172201"/>
           </a:xfrm>
         </p:spPr>
         <p:txBody>
@@ -3841,7 +3841,7 @@
             </a:br>
             <a:r>
               <a:rPr lang="en-US" dirty="0" smtClean="0"/>
-              <a:t>Go Over Quiz</a:t>
+              <a:t>What do we need to look at before the Quiz</a:t>
             </a:r>
             <a:br>
               <a:rPr lang="en-US" dirty="0" smtClean="0"/>
@@ -4171,13 +4171,13 @@
         </p:nvSpPr>
         <p:spPr>
           <a:xfrm>
-            <a:off x="1371600" y="2286000"/>
-            <a:ext cx="9601200" cy="921896"/>
+            <a:off x="1371600" y="2285999"/>
+            <a:ext cx="9601200" cy="2823029"/>
           </a:xfrm>
         </p:spPr>
         <p:txBody>
           <a:bodyPr>
-            <a:normAutofit lnSpcReduction="10000"/>
+            <a:normAutofit/>
           </a:bodyPr>
           <a:lstStyle/>
           <a:p>
@@ -4190,8 +4190,41 @@
             </a:r>
             <a:r>
               <a:rPr lang="en-US" sz="3000" dirty="0" smtClean="0"/>
-              <a:t>: To solve and graph inequalities with two variables</a:t>
-            </a:r>
+              <a:t>: To solve and graph inequalities with two </a:t>
+            </a:r>
+            <a:r>
+              <a:rPr lang="en-US" sz="3000" dirty="0" smtClean="0"/>
+              <a:t>variables</a:t>
+            </a:r>
+          </a:p>
+          <a:p>
+            <a:pPr marL="0" indent="0">
+              <a:buNone/>
+            </a:pPr>
+            <a:endParaRPr lang="en-US" sz="3000" dirty="0"/>
+          </a:p>
+          <a:p>
+            <a:pPr marL="0" indent="0">
+              <a:buNone/>
+            </a:pPr>
+            <a:r>
+              <a:rPr lang="en-US" sz="3200" b="1" dirty="0" smtClean="0"/>
+              <a:t>HLQ</a:t>
+            </a:r>
+            <a:r>
+              <a:rPr lang="en-US" sz="3200" dirty="0" smtClean="0"/>
+              <a:t>: Why do we shade an inequality graph, but not a “normal</a:t>
+            </a:r>
+            <a:r>
+              <a:rPr lang="en-US" sz="3200" smtClean="0"/>
+              <a:t>” graph? </a:t>
+            </a:r>
+            <a:endParaRPr lang="en-US" sz="3600" dirty="0"/>
+          </a:p>
+          <a:p>
+            <a:pPr marL="0" indent="0">
+              <a:buNone/>
+            </a:pPr>
             <a:endParaRPr lang="en-US" sz="3200" dirty="0"/>
           </a:p>
         </p:txBody>
@@ -4246,7 +4279,7 @@
         <p:spPr>
           <a:xfrm>
             <a:off x="934715" y="1394085"/>
-            <a:ext cx="10038085" cy="5249085"/>
+            <a:ext cx="10847554" cy="5249085"/>
           </a:xfrm>
         </p:spPr>
         <p:txBody>
@@ -4640,7 +4673,7 @@
             </a:r>
             <a:r>
               <a:rPr lang="en-US" sz="4000" dirty="0" smtClean="0"/>
-              <a:t> 4x + 5</a:t>
+              <a:t> 0.5x - 3</a:t>
             </a:r>
           </a:p>
           <a:p>
@@ -4784,15 +4817,7 @@
             </a:r>
             <a:r>
               <a:rPr lang="en-US" sz="3000" smtClean="0"/>
-              <a:t>1, 2</a:t>
-            </a:r>
-            <a:r>
-              <a:rPr lang="en-US" sz="3000" smtClean="0"/>
-              <a:t>, </a:t>
-            </a:r>
-            <a:r>
-              <a:rPr lang="en-US" sz="3000" smtClean="0"/>
-              <a:t>11, 13, 15, </a:t>
+              <a:t>1, 2, 11, 13, 15, </a:t>
             </a:r>
             <a:r>
               <a:rPr lang="en-US" sz="3000" dirty="0" smtClean="0"/>
